--- a/Curriculum/Week_1/Lectures/1.2_Git_and_SVN_optional.pptx
+++ b/Curriculum/Week_1/Lectures/1.2_Git_and_SVN_optional.pptx
@@ -929,7 +929,7 @@
         </p:nvSpPr>
         <p:spPr>
           <a:xfrm>
-            <a:off x="381300" y="685800"/>
+            <a:off x="381000" y="685800"/>
             <a:ext cx="6096000" cy="3429000"/>
           </a:xfrm>
           <a:custGeom>
@@ -1948,7 +1948,7 @@
         </p:nvSpPr>
         <p:spPr>
           <a:xfrm>
-            <a:off x="381300" y="685800"/>
+            <a:off x="381000" y="685800"/>
             <a:ext cx="6096000" cy="3429000"/>
           </a:xfrm>
           <a:custGeom>
@@ -6311,37 +6311,42 @@
           </a:bodyPr>
           <a:lstStyle/>
           <a:p>
-            <a:pPr lvl="0" rtl="0">
-              <a:spcBef>
-                <a:spcPts val="0"/>
-              </a:spcBef>
-              <a:buNone/>
+            <a:pPr marL="285750" lvl="0" indent="-285750" rtl="0">
+              <a:spcBef>
+                <a:spcPts val="0"/>
+              </a:spcBef>
+              <a:buFont typeface="Arial"/>
+              <a:buChar char="•"/>
             </a:pPr>
             <a:r>
               <a:rPr lang="en" dirty="0"/>
               <a:t>Git’s main selling point is their encouragement of and easy use of </a:t>
             </a:r>
             <a:r>
-              <a:rPr lang="en" b="1" dirty="0"/>
+              <a:rPr lang="en" b="1" dirty="0" smtClean="0"/>
               <a:t>branching</a:t>
             </a:r>
             <a:r>
-              <a:rPr lang="en" dirty="0"/>
+              <a:rPr lang="en" dirty="0" smtClean="0"/>
               <a:t>.</a:t>
             </a:r>
-          </a:p>
-          <a:p>
-            <a:pPr marL="457200" lvl="0" indent="-317500" rtl="0">
-              <a:spcBef>
-                <a:spcPts val="0"/>
-              </a:spcBef>
-              <a:buSzPct val="100000"/>
+            <a:endParaRPr lang="en-US" smtClean="0"/>
+          </a:p>
+          <a:p>
+            <a:pPr marL="285750" lvl="0" indent="-285750" rtl="0">
+              <a:spcBef>
+                <a:spcPts val="0"/>
+              </a:spcBef>
               <a:buFont typeface="Arial"/>
               <a:buChar char="•"/>
             </a:pPr>
             <a:r>
-              <a:rPr lang="en" sz="1400" dirty="0"/>
-              <a:t>Branches allow the developer to create and work on multiple copies of the code. However, these multiple copies aren’t literally stored as multiple copies of code -- Git only keeps track of the diff each branch has with master, and applies/un-applies them as you switch between branches*!</a:t>
+              <a:rPr lang="en" smtClean="0"/>
+              <a:t>Branches </a:t>
+            </a:r>
+            <a:r>
+              <a:rPr lang="en" dirty="0"/>
+              <a:t>allow the developer to create and work on multiple copies of the code. However, these multiple copies aren’t literally stored as multiple copies of code -- Git only keeps track of the diff each branch has with master, and applies/un-applies them as you switch between branches*!</a:t>
             </a:r>
           </a:p>
         </p:txBody>
@@ -6837,7 +6842,7 @@
           </a:bodyPr>
           <a:lstStyle/>
           <a:p>
-            <a:pPr marL="457200" lvl="0" indent="-228600" rtl="0">
+            <a:pPr marL="514350" lvl="0" indent="-285750" rtl="0">
               <a:lnSpc>
                 <a:spcPct val="100000"/>
               </a:lnSpc>
@@ -6847,10 +6852,11 @@
               <a:spcAft>
                 <a:spcPts val="1000"/>
               </a:spcAft>
-              <a:buFont typeface="Consolas"/>
-            </a:pPr>
-            <a:r>
-              <a:rPr lang="en">
+              <a:buFont typeface="Arial"/>
+              <a:buChar char="•"/>
+            </a:pPr>
+            <a:r>
+              <a:rPr lang="en" dirty="0">
                 <a:solidFill>
                   <a:srgbClr val="000000"/>
                 </a:solidFill>
@@ -6862,11 +6868,11 @@
               <a:t>git clone [url]</a:t>
             </a:r>
             <a:r>
-              <a:rPr lang="en"/>
+              <a:rPr lang="en" dirty="0"/>
               <a:t> - get a copy of the code located at </a:t>
             </a:r>
             <a:r>
-              <a:rPr lang="en">
+              <a:rPr lang="en" dirty="0">
                 <a:latin typeface="Consolas"/>
                 <a:ea typeface="Consolas"/>
                 <a:cs typeface="Consolas"/>
@@ -6876,7 +6882,7 @@
             </a:r>
           </a:p>
           <a:p>
-            <a:pPr marL="457200" lvl="0" indent="-228600" rtl="0">
+            <a:pPr marL="514350" lvl="0" indent="-285750" rtl="0">
               <a:lnSpc>
                 <a:spcPct val="100000"/>
               </a:lnSpc>
@@ -6886,9 +6892,11 @@
               <a:spcAft>
                 <a:spcPts val="1000"/>
               </a:spcAft>
-            </a:pPr>
-            <a:r>
-              <a:rPr lang="en">
+              <a:buFont typeface="Arial"/>
+              <a:buChar char="•"/>
+            </a:pPr>
+            <a:r>
+              <a:rPr lang="en" dirty="0">
                 <a:solidFill>
                   <a:srgbClr val="000000"/>
                 </a:solidFill>
@@ -6900,12 +6908,12 @@
               <a:t>git pull</a:t>
             </a:r>
             <a:r>
-              <a:rPr lang="en"/>
+              <a:rPr lang="en" dirty="0"/>
               <a:t> - pull in and update your local repo with any changes from master that you don’t have</a:t>
             </a:r>
           </a:p>
           <a:p>
-            <a:pPr marL="457200" lvl="0" indent="-228600" rtl="0">
+            <a:pPr marL="514350" lvl="0" indent="-285750" rtl="0">
               <a:lnSpc>
                 <a:spcPct val="100000"/>
               </a:lnSpc>
@@ -6915,9 +6923,11 @@
               <a:spcAft>
                 <a:spcPts val="1000"/>
               </a:spcAft>
-            </a:pPr>
-            <a:r>
-              <a:rPr lang="en">
+              <a:buFont typeface="Arial"/>
+              <a:buChar char="•"/>
+            </a:pPr>
+            <a:r>
+              <a:rPr lang="en" dirty="0">
                 <a:solidFill>
                   <a:srgbClr val="000000"/>
                 </a:solidFill>
@@ -6929,12 +6939,12 @@
               <a:t>git status</a:t>
             </a:r>
             <a:r>
-              <a:rPr lang="en"/>
+              <a:rPr lang="en" dirty="0"/>
               <a:t> - lists the files you’ve made changes to in your local</a:t>
             </a:r>
           </a:p>
           <a:p>
-            <a:pPr marL="457200" lvl="0" indent="-228600" rtl="0">
+            <a:pPr marL="514350" lvl="0" indent="-285750" rtl="0">
               <a:lnSpc>
                 <a:spcPct val="100000"/>
               </a:lnSpc>
@@ -6944,9 +6954,11 @@
               <a:spcAft>
                 <a:spcPts val="1000"/>
               </a:spcAft>
-            </a:pPr>
-            <a:r>
-              <a:rPr lang="en">
+              <a:buFont typeface="Arial"/>
+              <a:buChar char="•"/>
+            </a:pPr>
+            <a:r>
+              <a:rPr lang="en" dirty="0">
                 <a:solidFill>
                   <a:srgbClr val="000000"/>
                 </a:solidFill>
@@ -6958,11 +6970,11 @@
               <a:t>git diff [file]</a:t>
             </a:r>
             <a:r>
-              <a:rPr lang="en"/>
+              <a:rPr lang="en" dirty="0"/>
               <a:t> - show the changes you’ve made in </a:t>
             </a:r>
             <a:r>
-              <a:rPr lang="en">
+              <a:rPr lang="en" dirty="0">
                 <a:latin typeface="Consolas"/>
                 <a:ea typeface="Consolas"/>
                 <a:cs typeface="Consolas"/>
@@ -6972,7 +6984,7 @@
             </a:r>
           </a:p>
           <a:p>
-            <a:pPr marL="457200" lvl="0" indent="-228600" rtl="0">
+            <a:pPr marL="514350" lvl="0" indent="-285750" rtl="0">
               <a:lnSpc>
                 <a:spcPct val="100000"/>
               </a:lnSpc>
@@ -6982,10 +6994,11 @@
               <a:spcAft>
                 <a:spcPts val="1000"/>
               </a:spcAft>
-              <a:buFont typeface="Consolas"/>
-            </a:pPr>
-            <a:r>
-              <a:rPr lang="en">
+              <a:buFont typeface="Arial"/>
+              <a:buChar char="•"/>
+            </a:pPr>
+            <a:r>
+              <a:rPr lang="en" dirty="0">
                 <a:solidFill>
                   <a:srgbClr val="000000"/>
                 </a:solidFill>
@@ -6997,11 +7010,11 @@
               <a:t>git add/rm [file]</a:t>
             </a:r>
             <a:r>
-              <a:rPr lang="en"/>
+              <a:rPr lang="en" dirty="0"/>
               <a:t> - add or remove </a:t>
             </a:r>
             <a:r>
-              <a:rPr lang="en">
+              <a:rPr lang="en" dirty="0">
                 <a:latin typeface="Consolas"/>
                 <a:ea typeface="Consolas"/>
                 <a:cs typeface="Consolas"/>
@@ -7010,12 +7023,12 @@
               <a:t>file</a:t>
             </a:r>
             <a:r>
-              <a:rPr lang="en"/>
+              <a:rPr lang="en" dirty="0"/>
               <a:t> to/from the staging area</a:t>
             </a:r>
           </a:p>
           <a:p>
-            <a:pPr marL="457200" lvl="0" indent="-228600" rtl="0">
+            <a:pPr marL="514350" lvl="0" indent="-285750" rtl="0">
               <a:lnSpc>
                 <a:spcPct val="100000"/>
               </a:lnSpc>
@@ -7025,10 +7038,11 @@
               <a:spcAft>
                 <a:spcPts val="1000"/>
               </a:spcAft>
-              <a:buFont typeface="Consolas"/>
-            </a:pPr>
-            <a:r>
-              <a:rPr lang="en">
+              <a:buFont typeface="Arial"/>
+              <a:buChar char="•"/>
+            </a:pPr>
+            <a:r>
+              <a:rPr lang="en" dirty="0">
                 <a:solidFill>
                   <a:srgbClr val="000000"/>
                 </a:solidFill>
@@ -7040,12 +7054,12 @@
               <a:t>git commit -m “this is my bug fix”</a:t>
             </a:r>
             <a:r>
-              <a:rPr lang="en"/>
+              <a:rPr lang="en" dirty="0"/>
               <a:t> - commit the staged file changes to your local repo, passing in a message describing the change</a:t>
             </a:r>
           </a:p>
           <a:p>
-            <a:pPr marL="457200" lvl="0" indent="-228600" rtl="0">
+            <a:pPr marL="514350" lvl="0" indent="-285750" rtl="0">
               <a:lnSpc>
                 <a:spcPct val="100000"/>
               </a:lnSpc>
@@ -7055,10 +7069,11 @@
               <a:spcAft>
                 <a:spcPts val="1000"/>
               </a:spcAft>
-              <a:buFont typeface="Consolas"/>
-            </a:pPr>
-            <a:r>
-              <a:rPr lang="en">
+              <a:buFont typeface="Arial"/>
+              <a:buChar char="•"/>
+            </a:pPr>
+            <a:r>
+              <a:rPr lang="en" dirty="0">
                 <a:solidFill>
                   <a:srgbClr val="000000"/>
                 </a:solidFill>
@@ -7070,12 +7085,12 @@
               <a:t>git log</a:t>
             </a:r>
             <a:r>
-              <a:rPr lang="en"/>
+              <a:rPr lang="en" dirty="0"/>
               <a:t> - show the history of commits</a:t>
             </a:r>
           </a:p>
           <a:p>
-            <a:pPr marL="457200" lvl="0" indent="-228600" rtl="0">
+            <a:pPr marL="514350" lvl="0" indent="-285750" rtl="0">
               <a:lnSpc>
                 <a:spcPct val="100000"/>
               </a:lnSpc>
@@ -7085,10 +7100,11 @@
               <a:spcAft>
                 <a:spcPts val="1000"/>
               </a:spcAft>
-              <a:buFont typeface="Consolas"/>
-            </a:pPr>
-            <a:r>
-              <a:rPr lang="en">
+              <a:buFont typeface="Arial"/>
+              <a:buChar char="•"/>
+            </a:pPr>
+            <a:r>
+              <a:rPr lang="en" dirty="0">
                 <a:solidFill>
                   <a:srgbClr val="000000"/>
                 </a:solidFill>
@@ -7100,7 +7116,7 @@
               <a:t>git push</a:t>
             </a:r>
             <a:r>
-              <a:rPr lang="en"/>
+              <a:rPr lang="en" dirty="0"/>
               <a:t> - push all the committed changes to master</a:t>
             </a:r>
           </a:p>
@@ -7495,8 +7511,16 @@
               <a:buChar char="•"/>
             </a:pPr>
             <a:r>
+              <a:rPr lang="en-US" dirty="0" smtClean="0"/>
+              <a:t>A</a:t>
+            </a:r>
+            <a:r>
+              <a:rPr lang="en" dirty="0" smtClean="0"/>
+              <a:t>ll </a:t>
+            </a:r>
+            <a:r>
               <a:rPr lang="en" dirty="0"/>
-              <a:t>All is fine and dandy when you are the only person working on a coding </a:t>
+              <a:t>is fine and dandy when you are the only person working on a coding </a:t>
             </a:r>
             <a:r>
               <a:rPr lang="en" dirty="0" smtClean="0"/>
@@ -7857,7 +7881,7 @@
               <a:buChar char="•"/>
             </a:pPr>
             <a:r>
-              <a:rPr lang="en" sz="1400" dirty="0"/>
+              <a:rPr lang="en" dirty="0"/>
               <a:t>Repository (repo)/codebase - the code in its entirety, regardless of where it’s stored</a:t>
             </a:r>
           </a:p>
@@ -7877,7 +7901,7 @@
               <a:buChar char="•"/>
             </a:pPr>
             <a:r>
-              <a:rPr lang="en" sz="1400" dirty="0"/>
+              <a:rPr lang="en" dirty="0"/>
               <a:t>Local/working copy/working directory - the copy of the code that lives on your computer; this is the copy you make changes to</a:t>
             </a:r>
           </a:p>
@@ -7894,7 +7918,7 @@
               <a:buChar char="•"/>
             </a:pPr>
             <a:r>
-              <a:rPr lang="en" sz="1400" dirty="0"/>
+              <a:rPr lang="en" dirty="0"/>
               <a:t>Master/remote - the official copy of the code that lives on the VCS server</a:t>
             </a:r>
           </a:p>
@@ -7911,7 +7935,7 @@
               <a:buChar char="•"/>
             </a:pPr>
             <a:r>
-              <a:rPr lang="en" sz="1400" dirty="0"/>
+              <a:rPr lang="en" dirty="0"/>
               <a:t>Check in/push - sending your changes to the master</a:t>
             </a:r>
           </a:p>
@@ -7931,7 +7955,7 @@
               <a:buChar char="•"/>
             </a:pPr>
             <a:r>
-              <a:rPr lang="en" sz="1400" dirty="0"/>
+              <a:rPr lang="en" dirty="0"/>
               <a:t>Check out/pull - getting a copy of the master code for the first time, or updating your local with any changes checked in to the master since the last time you pulled</a:t>
             </a:r>
           </a:p>
@@ -7951,7 +7975,7 @@
               <a:buChar char="•"/>
             </a:pPr>
             <a:r>
-              <a:rPr lang="en" sz="1400" dirty="0"/>
+              <a:rPr lang="en" dirty="0"/>
               <a:t>Commit - a group of similar changes (feature or bug fix) that you bundle into single push to master</a:t>
             </a:r>
           </a:p>
@@ -8393,17 +8417,18 @@
           </a:bodyPr>
           <a:lstStyle/>
           <a:p>
-            <a:pPr marL="457200" lvl="0" indent="-228600" rtl="0">
+            <a:pPr marL="514350" lvl="0" indent="-285750" rtl="0">
               <a:spcBef>
                 <a:spcPts val="0"/>
               </a:spcBef>
               <a:spcAft>
                 <a:spcPts val="1000"/>
               </a:spcAft>
-              <a:buFont typeface="Consolas"/>
-            </a:pPr>
-            <a:r>
-              <a:rPr lang="en">
+              <a:buFont typeface="Arial"/>
+              <a:buChar char="•"/>
+            </a:pPr>
+            <a:r>
+              <a:rPr lang="en" dirty="0">
                 <a:solidFill>
                   <a:srgbClr val="000000"/>
                 </a:solidFill>
@@ -8415,7 +8440,7 @@
               <a:t>svn checkout [url]</a:t>
             </a:r>
             <a:r>
-              <a:rPr lang="en">
+              <a:rPr lang="en" dirty="0">
                 <a:solidFill>
                   <a:srgbClr val="000000"/>
                 </a:solidFill>
@@ -8423,11 +8448,11 @@
               <a:t> </a:t>
             </a:r>
             <a:r>
-              <a:rPr lang="en"/>
+              <a:rPr lang="en" dirty="0"/>
               <a:t>- get a copy of the code located at </a:t>
             </a:r>
             <a:r>
-              <a:rPr lang="en">
+              <a:rPr lang="en" dirty="0">
                 <a:latin typeface="Consolas"/>
                 <a:ea typeface="Consolas"/>
                 <a:cs typeface="Consolas"/>
@@ -8437,7 +8462,7 @@
             </a:r>
           </a:p>
           <a:p>
-            <a:pPr marL="457200" lvl="0" indent="-228600" rtl="0">
+            <a:pPr marL="514350" lvl="0" indent="-285750" rtl="0">
               <a:lnSpc>
                 <a:spcPct val="100000"/>
               </a:lnSpc>
@@ -8447,9 +8472,11 @@
               <a:spcAft>
                 <a:spcPts val="1000"/>
               </a:spcAft>
-            </a:pPr>
-            <a:r>
-              <a:rPr lang="en">
+              <a:buFont typeface="Arial"/>
+              <a:buChar char="•"/>
+            </a:pPr>
+            <a:r>
+              <a:rPr lang="en" dirty="0">
                 <a:solidFill>
                   <a:srgbClr val="000000"/>
                 </a:solidFill>
@@ -8461,21 +8488,23 @@
               <a:t>svn status/svn st</a:t>
             </a:r>
             <a:r>
-              <a:rPr lang="en"/>
+              <a:rPr lang="en" dirty="0"/>
               <a:t> - lists the files you’ve made changes to locally</a:t>
             </a:r>
           </a:p>
           <a:p>
-            <a:pPr marL="457200" lvl="0" indent="-228600" rtl="0">
+            <a:pPr marL="514350" lvl="0" indent="-285750" rtl="0">
               <a:spcBef>
                 <a:spcPts val="0"/>
               </a:spcBef>
               <a:spcAft>
                 <a:spcPts val="1000"/>
               </a:spcAft>
-            </a:pPr>
-            <a:r>
-              <a:rPr lang="en">
+              <a:buFont typeface="Arial"/>
+              <a:buChar char="•"/>
+            </a:pPr>
+            <a:r>
+              <a:rPr lang="en" dirty="0">
                 <a:solidFill>
                   <a:srgbClr val="000000"/>
                 </a:solidFill>
@@ -8487,11 +8516,11 @@
               <a:t>svn diff [file]</a:t>
             </a:r>
             <a:r>
-              <a:rPr lang="en"/>
+              <a:rPr lang="en" dirty="0"/>
               <a:t> - show the changes you’ve made in </a:t>
             </a:r>
             <a:r>
-              <a:rPr lang="en">
+              <a:rPr lang="en" dirty="0">
                 <a:latin typeface="Consolas"/>
                 <a:ea typeface="Consolas"/>
                 <a:cs typeface="Consolas"/>
@@ -8501,16 +8530,18 @@
             </a:r>
           </a:p>
           <a:p>
-            <a:pPr marL="457200" lvl="0" indent="-228600" rtl="0">
+            <a:pPr marL="514350" lvl="0" indent="-285750" rtl="0">
               <a:spcBef>
                 <a:spcPts val="0"/>
               </a:spcBef>
               <a:spcAft>
                 <a:spcPts val="1000"/>
               </a:spcAft>
-            </a:pPr>
-            <a:r>
-              <a:rPr lang="en">
+              <a:buFont typeface="Arial"/>
+              <a:buChar char="•"/>
+            </a:pPr>
+            <a:r>
+              <a:rPr lang="en" dirty="0">
                 <a:solidFill>
                   <a:srgbClr val="000000"/>
                 </a:solidFill>
@@ -8522,22 +8553,23 @@
               <a:t>svn add [file]</a:t>
             </a:r>
             <a:r>
-              <a:rPr lang="en"/>
+              <a:rPr lang="en" dirty="0"/>
               <a:t> - add a new file you’ve created locally to SVN</a:t>
             </a:r>
           </a:p>
           <a:p>
-            <a:pPr marL="457200" lvl="0" indent="-228600" rtl="0">
+            <a:pPr marL="514350" lvl="0" indent="-285750" rtl="0">
               <a:spcBef>
                 <a:spcPts val="0"/>
               </a:spcBef>
               <a:spcAft>
                 <a:spcPts val="1000"/>
               </a:spcAft>
-              <a:buFont typeface="Consolas"/>
-            </a:pPr>
-            <a:r>
-              <a:rPr lang="en">
+              <a:buFont typeface="Arial"/>
+              <a:buChar char="•"/>
+            </a:pPr>
+            <a:r>
+              <a:rPr lang="en" dirty="0">
                 <a:solidFill>
                   <a:srgbClr val="000000"/>
                 </a:solidFill>
@@ -8549,22 +8581,23 @@
               <a:t>svn commit -m “this is my bug fix”</a:t>
             </a:r>
             <a:r>
-              <a:rPr lang="en"/>
+              <a:rPr lang="en" dirty="0"/>
               <a:t> - push the changes you’ve made locally to master, passing in a message describing the change</a:t>
             </a:r>
           </a:p>
           <a:p>
-            <a:pPr marL="457200" lvl="0" indent="-228600" rtl="0">
+            <a:pPr marL="514350" lvl="0" indent="-285750" rtl="0">
               <a:spcBef>
                 <a:spcPts val="0"/>
               </a:spcBef>
               <a:spcAft>
                 <a:spcPts val="1000"/>
               </a:spcAft>
-              <a:buFont typeface="Consolas"/>
-            </a:pPr>
-            <a:r>
-              <a:rPr lang="en">
+              <a:buFont typeface="Arial"/>
+              <a:buChar char="•"/>
+            </a:pPr>
+            <a:r>
+              <a:rPr lang="en" dirty="0">
                 <a:solidFill>
                   <a:srgbClr val="000000"/>
                 </a:solidFill>
@@ -8576,22 +8609,23 @@
               <a:t>svn log</a:t>
             </a:r>
             <a:r>
-              <a:rPr lang="en"/>
+              <a:rPr lang="en" dirty="0"/>
               <a:t> - show the history of commits</a:t>
             </a:r>
           </a:p>
           <a:p>
-            <a:pPr marL="457200" lvl="0" indent="-228600" rtl="0">
+            <a:pPr marL="514350" lvl="0" indent="-285750" rtl="0">
               <a:spcBef>
                 <a:spcPts val="0"/>
               </a:spcBef>
               <a:spcAft>
                 <a:spcPts val="1000"/>
               </a:spcAft>
-              <a:buFont typeface="Consolas"/>
-            </a:pPr>
-            <a:r>
-              <a:rPr lang="en">
+              <a:buFont typeface="Arial"/>
+              <a:buChar char="•"/>
+            </a:pPr>
+            <a:r>
+              <a:rPr lang="en" dirty="0">
                 <a:solidFill>
                   <a:srgbClr val="000000"/>
                 </a:solidFill>
@@ -8603,7 +8637,7 @@
               <a:t>svn update/svn up</a:t>
             </a:r>
             <a:r>
-              <a:rPr lang="en"/>
+              <a:rPr lang="en" dirty="0"/>
               <a:t> - pull in and update your local with changes from master that you don’t have</a:t>
             </a:r>
           </a:p>

--- a/Curriculum/Week_1/Lectures/1.2_Git_and_SVN_optional.pptx
+++ b/Curriculum/Week_1/Lectures/1.2_Git_and_SVN_optional.pptx
@@ -7956,7 +7956,15 @@
             </a:pPr>
             <a:r>
               <a:rPr lang="en" dirty="0"/>
-              <a:t>Check out/pull - getting a copy of the master code for the first time, or updating your local with any changes checked in to the master since the last time you pulled</a:t>
+              <a:t>Check out/pull - getting a copy of the master code for the first time, or updating your local with any changes </a:t>
+            </a:r>
+            <a:r>
+              <a:rPr lang="en" dirty="0" smtClean="0"/>
+              <a:t>to master </a:t>
+            </a:r>
+            <a:r>
+              <a:rPr lang="en" dirty="0"/>
+              <a:t>since the last time you pulled</a:t>
             </a:r>
           </a:p>
           <a:p>
@@ -7976,7 +7984,31 @@
             </a:pPr>
             <a:r>
               <a:rPr lang="en" dirty="0"/>
-              <a:t>Commit - a group of similar changes (feature or bug fix) that you bundle into single push to master</a:t>
+              <a:t>Commit - a group of similar changes </a:t>
+            </a:r>
+            <a:r>
+              <a:rPr lang="en" dirty="0" smtClean="0"/>
+              <a:t>that </a:t>
+            </a:r>
+            <a:r>
+              <a:rPr lang="en" dirty="0"/>
+              <a:t>you bundle </a:t>
+            </a:r>
+            <a:r>
+              <a:rPr lang="en" dirty="0" smtClean="0"/>
+              <a:t>into</a:t>
+            </a:r>
+            <a:r>
+              <a:rPr lang="en-US" dirty="0" smtClean="0"/>
+              <a:t> a</a:t>
+            </a:r>
+            <a:r>
+              <a:rPr lang="en" dirty="0" smtClean="0"/>
+              <a:t> </a:t>
+            </a:r>
+            <a:r>
+              <a:rPr lang="en" dirty="0"/>
+              <a:t>single push to master</a:t>
             </a:r>
           </a:p>
         </p:txBody>
